--- a/Later/Spring/10_AOP_AspectJ/3.1/Spring AOP + AspectJ in XML configuration_aopafter.pptx
+++ b/Later/Spring/10_AOP_AspectJ/3.1/Spring AOP + AspectJ in XML configuration_aopafter.pptx
@@ -194,7 +194,7 @@
           <a:p>
             <a:fld id="{62274EC6-3890-417B-9308-14EFBD00FA63}" type="datetimeFigureOut">
               <a:rPr lang="en-US" smtClean="0"/>
-              <a:t>6/6/2018</a:t>
+              <a:t>6/7/2018</a:t>
             </a:fld>
             <a:endParaRPr lang="en-US" dirty="0"/>
           </a:p>
@@ -911,7 +911,7 @@
             <a:fld id="{1D8BD707-D9CF-40AE-B4C6-C98DA3205C09}" type="datetimeFigureOut">
               <a:rPr lang="en-US" smtClean="0"/>
               <a:pPr/>
-              <a:t>6/6/2018</a:t>
+              <a:t>6/7/2018</a:t>
             </a:fld>
             <a:endParaRPr lang="en-US" dirty="0"/>
           </a:p>
@@ -1083,7 +1083,7 @@
             <a:fld id="{1D8BD707-D9CF-40AE-B4C6-C98DA3205C09}" type="datetimeFigureOut">
               <a:rPr lang="en-US" smtClean="0"/>
               <a:pPr/>
-              <a:t>6/6/2018</a:t>
+              <a:t>6/7/2018</a:t>
             </a:fld>
             <a:endParaRPr lang="en-US" dirty="0"/>
           </a:p>
@@ -1265,7 +1265,7 @@
             <a:fld id="{1D8BD707-D9CF-40AE-B4C6-C98DA3205C09}" type="datetimeFigureOut">
               <a:rPr lang="en-US" smtClean="0"/>
               <a:pPr/>
-              <a:t>6/6/2018</a:t>
+              <a:t>6/7/2018</a:t>
             </a:fld>
             <a:endParaRPr lang="en-US" dirty="0"/>
           </a:p>
@@ -1437,7 +1437,7 @@
             <a:fld id="{1D8BD707-D9CF-40AE-B4C6-C98DA3205C09}" type="datetimeFigureOut">
               <a:rPr lang="en-US" smtClean="0"/>
               <a:pPr/>
-              <a:t>6/6/2018</a:t>
+              <a:t>6/7/2018</a:t>
             </a:fld>
             <a:endParaRPr lang="en-US" dirty="0"/>
           </a:p>
@@ -1685,7 +1685,7 @@
             <a:fld id="{1D8BD707-D9CF-40AE-B4C6-C98DA3205C09}" type="datetimeFigureOut">
               <a:rPr lang="en-US" smtClean="0"/>
               <a:pPr/>
-              <a:t>6/6/2018</a:t>
+              <a:t>6/7/2018</a:t>
             </a:fld>
             <a:endParaRPr lang="en-US" dirty="0"/>
           </a:p>
@@ -1975,7 +1975,7 @@
             <a:fld id="{1D8BD707-D9CF-40AE-B4C6-C98DA3205C09}" type="datetimeFigureOut">
               <a:rPr lang="en-US" smtClean="0"/>
               <a:pPr/>
-              <a:t>6/6/2018</a:t>
+              <a:t>6/7/2018</a:t>
             </a:fld>
             <a:endParaRPr lang="en-US" dirty="0"/>
           </a:p>
@@ -2404,7 +2404,7 @@
             <a:fld id="{1D8BD707-D9CF-40AE-B4C6-C98DA3205C09}" type="datetimeFigureOut">
               <a:rPr lang="en-US" smtClean="0"/>
               <a:pPr/>
-              <a:t>6/6/2018</a:t>
+              <a:t>6/7/2018</a:t>
             </a:fld>
             <a:endParaRPr lang="en-US" dirty="0"/>
           </a:p>
@@ -2524,7 +2524,7 @@
             <a:fld id="{1D8BD707-D9CF-40AE-B4C6-C98DA3205C09}" type="datetimeFigureOut">
               <a:rPr lang="en-US" smtClean="0"/>
               <a:pPr/>
-              <a:t>6/6/2018</a:t>
+              <a:t>6/7/2018</a:t>
             </a:fld>
             <a:endParaRPr lang="en-US" dirty="0"/>
           </a:p>
@@ -2621,7 +2621,7 @@
             <a:fld id="{1D8BD707-D9CF-40AE-B4C6-C98DA3205C09}" type="datetimeFigureOut">
               <a:rPr lang="en-US" smtClean="0"/>
               <a:pPr/>
-              <a:t>6/6/2018</a:t>
+              <a:t>6/7/2018</a:t>
             </a:fld>
             <a:endParaRPr lang="en-US" dirty="0"/>
           </a:p>
@@ -2900,7 +2900,7 @@
             <a:fld id="{1D8BD707-D9CF-40AE-B4C6-C98DA3205C09}" type="datetimeFigureOut">
               <a:rPr lang="en-US" smtClean="0"/>
               <a:pPr/>
-              <a:t>6/6/2018</a:t>
+              <a:t>6/7/2018</a:t>
             </a:fld>
             <a:endParaRPr lang="en-US" dirty="0"/>
           </a:p>
@@ -3155,7 +3155,7 @@
             <a:fld id="{1D8BD707-D9CF-40AE-B4C6-C98DA3205C09}" type="datetimeFigureOut">
               <a:rPr lang="en-US" smtClean="0"/>
               <a:pPr/>
-              <a:t>6/6/2018</a:t>
+              <a:t>6/7/2018</a:t>
             </a:fld>
             <a:endParaRPr lang="en-US" dirty="0"/>
           </a:p>
@@ -3370,7 +3370,7 @@
             <a:fld id="{1D8BD707-D9CF-40AE-B4C6-C98DA3205C09}" type="datetimeFigureOut">
               <a:rPr lang="en-US" smtClean="0"/>
               <a:pPr/>
-              <a:t>6/6/2018</a:t>
+              <a:t>6/7/2018</a:t>
             </a:fld>
             <a:endParaRPr lang="en-US" dirty="0"/>
           </a:p>
@@ -4095,11 +4095,7 @@
             </a:r>
             <a:r>
               <a:rPr lang="en-US" sz="1200" dirty="0"/>
-              <a:t>AspectJ </a:t>
-            </a:r>
-            <a:r>
-              <a:rPr lang="en-US" sz="1200" dirty="0"/>
-              <a:t>&lt;aop:after&gt; = @</a:t>
+              <a:t>AspectJ &lt;aop:after&gt; = @</a:t>
             </a:r>
             <a:r>
               <a:rPr lang="en-US" sz="1200" dirty="0" smtClean="0"/>
@@ -4481,7 +4477,7 @@
       </p:grpSpPr>
       <p:pic>
         <p:nvPicPr>
-          <p:cNvPr id="5" name="Picture 2"/>
+          <p:cNvPr id="1026" name="Picture 2"/>
           <p:cNvPicPr>
             <a:picLocks noChangeAspect="1" noChangeArrowheads="1"/>
           </p:cNvPicPr>
@@ -4502,8 +4498,8 @@
         </p:blipFill>
         <p:spPr bwMode="auto">
           <a:xfrm>
-            <a:off x="146050" y="685800"/>
-            <a:ext cx="5654675" cy="4197505"/>
+            <a:off x="155575" y="609600"/>
+            <a:ext cx="5483225" cy="4215206"/>
           </a:xfrm>
           <a:prstGeom prst="rect">
             <a:avLst/>
@@ -4514,14 +4510,14 @@
           <a:lnRef idx="1">
             <a:schemeClr val="accent4"/>
           </a:lnRef>
-          <a:fillRef idx="2">
+          <a:fillRef idx="3">
             <a:schemeClr val="accent4"/>
           </a:fillRef>
-          <a:effectRef idx="1">
+          <a:effectRef idx="2">
             <a:schemeClr val="accent4"/>
           </a:effectRef>
           <a:fontRef idx="minor">
-            <a:schemeClr val="dk1"/>
+            <a:schemeClr val="lt1"/>
           </a:fontRef>
         </p:style>
       </p:pic>
@@ -4655,8 +4651,8 @@
           </a:xfrm>
           <a:prstGeom prst="wedgeRoundRectCallout">
             <a:avLst>
-              <a:gd name="adj1" fmla="val -124442"/>
-              <a:gd name="adj2" fmla="val 56281"/>
+              <a:gd name="adj1" fmla="val -127775"/>
+              <a:gd name="adj2" fmla="val 46953"/>
               <a:gd name="adj3" fmla="val 16667"/>
             </a:avLst>
           </a:prstGeom>
@@ -4686,19 +4682,7 @@
             <a:pPr algn="ctr"/>
             <a:r>
               <a:rPr lang="en-US" sz="1200" dirty="0" smtClean="0"/>
-              <a:t>AspectJ </a:t>
-            </a:r>
-            <a:r>
-              <a:rPr lang="en-US" sz="1200" dirty="0" smtClean="0"/>
-              <a:t>&lt;</a:t>
-            </a:r>
-            <a:r>
-              <a:rPr lang="en-US" sz="1200" dirty="0" smtClean="0"/>
-              <a:t>aop:after</a:t>
-            </a:r>
-            <a:r>
-              <a:rPr lang="en-US" sz="1200" dirty="0" smtClean="0"/>
-              <a:t>&gt; </a:t>
+              <a:t>AspectJ &lt;aop:after&gt; </a:t>
             </a:r>
             <a:r>
               <a:rPr lang="en-US" sz="1200" dirty="0"/>
@@ -4706,11 +4690,7 @@
             </a:r>
             <a:r>
               <a:rPr lang="en-US" sz="1200" dirty="0" smtClean="0"/>
-              <a:t>@</a:t>
-            </a:r>
-            <a:r>
-              <a:rPr lang="en-US" sz="1200" dirty="0" smtClean="0"/>
-              <a:t>After</a:t>
+              <a:t>@After</a:t>
             </a:r>
             <a:endParaRPr lang="en-US" sz="1200" dirty="0"/>
           </a:p>
